--- a/PPT/step3 개선 방안.pptx
+++ b/PPT/step3 개선 방안.pptx
@@ -265,7 +265,7 @@
           <a:p>
             <a:fld id="{E7D7F46C-04AC-DB41-9D07-DD0AB64527AC}" type="datetimeFigureOut">
               <a:rPr kumimoji="1" lang="ko-KR" altLang="en-US" smtClean="0"/>
-              <a:t>2023-08-01</a:t>
+              <a:t>2023-08-09</a:t>
             </a:fld>
             <a:endParaRPr kumimoji="1" lang="ko-KR" altLang="en-US"/>
           </a:p>
@@ -463,7 +463,7 @@
           <a:p>
             <a:fld id="{E7D7F46C-04AC-DB41-9D07-DD0AB64527AC}" type="datetimeFigureOut">
               <a:rPr kumimoji="1" lang="ko-KR" altLang="en-US" smtClean="0"/>
-              <a:t>2023-08-01</a:t>
+              <a:t>2023-08-09</a:t>
             </a:fld>
             <a:endParaRPr kumimoji="1" lang="ko-KR" altLang="en-US"/>
           </a:p>
@@ -671,7 +671,7 @@
           <a:p>
             <a:fld id="{E7D7F46C-04AC-DB41-9D07-DD0AB64527AC}" type="datetimeFigureOut">
               <a:rPr kumimoji="1" lang="ko-KR" altLang="en-US" smtClean="0"/>
-              <a:t>2023-08-01</a:t>
+              <a:t>2023-08-09</a:t>
             </a:fld>
             <a:endParaRPr kumimoji="1" lang="ko-KR" altLang="en-US"/>
           </a:p>
@@ -869,7 +869,7 @@
           <a:p>
             <a:fld id="{E7D7F46C-04AC-DB41-9D07-DD0AB64527AC}" type="datetimeFigureOut">
               <a:rPr kumimoji="1" lang="ko-KR" altLang="en-US" smtClean="0"/>
-              <a:t>2023-08-01</a:t>
+              <a:t>2023-08-09</a:t>
             </a:fld>
             <a:endParaRPr kumimoji="1" lang="ko-KR" altLang="en-US"/>
           </a:p>
@@ -1144,7 +1144,7 @@
           <a:p>
             <a:fld id="{E7D7F46C-04AC-DB41-9D07-DD0AB64527AC}" type="datetimeFigureOut">
               <a:rPr kumimoji="1" lang="ko-KR" altLang="en-US" smtClean="0"/>
-              <a:t>2023-08-01</a:t>
+              <a:t>2023-08-09</a:t>
             </a:fld>
             <a:endParaRPr kumimoji="1" lang="ko-KR" altLang="en-US"/>
           </a:p>
@@ -1409,7 +1409,7 @@
           <a:p>
             <a:fld id="{E7D7F46C-04AC-DB41-9D07-DD0AB64527AC}" type="datetimeFigureOut">
               <a:rPr kumimoji="1" lang="ko-KR" altLang="en-US" smtClean="0"/>
-              <a:t>2023-08-01</a:t>
+              <a:t>2023-08-09</a:t>
             </a:fld>
             <a:endParaRPr kumimoji="1" lang="ko-KR" altLang="en-US"/>
           </a:p>
@@ -1821,7 +1821,7 @@
           <a:p>
             <a:fld id="{E7D7F46C-04AC-DB41-9D07-DD0AB64527AC}" type="datetimeFigureOut">
               <a:rPr kumimoji="1" lang="ko-KR" altLang="en-US" smtClean="0"/>
-              <a:t>2023-08-01</a:t>
+              <a:t>2023-08-09</a:t>
             </a:fld>
             <a:endParaRPr kumimoji="1" lang="ko-KR" altLang="en-US"/>
           </a:p>
@@ -1962,7 +1962,7 @@
           <a:p>
             <a:fld id="{E7D7F46C-04AC-DB41-9D07-DD0AB64527AC}" type="datetimeFigureOut">
               <a:rPr kumimoji="1" lang="ko-KR" altLang="en-US" smtClean="0"/>
-              <a:t>2023-08-01</a:t>
+              <a:t>2023-08-09</a:t>
             </a:fld>
             <a:endParaRPr kumimoji="1" lang="ko-KR" altLang="en-US"/>
           </a:p>
@@ -2075,7 +2075,7 @@
           <a:p>
             <a:fld id="{E7D7F46C-04AC-DB41-9D07-DD0AB64527AC}" type="datetimeFigureOut">
               <a:rPr kumimoji="1" lang="ko-KR" altLang="en-US" smtClean="0"/>
-              <a:t>2023-08-01</a:t>
+              <a:t>2023-08-09</a:t>
             </a:fld>
             <a:endParaRPr kumimoji="1" lang="ko-KR" altLang="en-US"/>
           </a:p>
@@ -2386,7 +2386,7 @@
           <a:p>
             <a:fld id="{E7D7F46C-04AC-DB41-9D07-DD0AB64527AC}" type="datetimeFigureOut">
               <a:rPr kumimoji="1" lang="ko-KR" altLang="en-US" smtClean="0"/>
-              <a:t>2023-08-01</a:t>
+              <a:t>2023-08-09</a:t>
             </a:fld>
             <a:endParaRPr kumimoji="1" lang="ko-KR" altLang="en-US"/>
           </a:p>
@@ -2674,7 +2674,7 @@
           <a:p>
             <a:fld id="{E7D7F46C-04AC-DB41-9D07-DD0AB64527AC}" type="datetimeFigureOut">
               <a:rPr kumimoji="1" lang="ko-KR" altLang="en-US" smtClean="0"/>
-              <a:t>2023-08-01</a:t>
+              <a:t>2023-08-09</a:t>
             </a:fld>
             <a:endParaRPr kumimoji="1" lang="ko-KR" altLang="en-US"/>
           </a:p>
@@ -2924,7 +2924,7 @@
           <a:p>
             <a:fld id="{E7D7F46C-04AC-DB41-9D07-DD0AB64527AC}" type="datetimeFigureOut">
               <a:rPr kumimoji="1" lang="ko-KR" altLang="en-US" smtClean="0"/>
-              <a:t>2023-08-01</a:t>
+              <a:t>2023-08-09</a:t>
             </a:fld>
             <a:endParaRPr kumimoji="1" lang="ko-KR" altLang="en-US"/>
           </a:p>
@@ -12190,13 +12190,13 @@
           <p:nvPr>
             <p:extLst>
               <p:ext uri="{D42A27DB-BD31-4B8C-83A1-F6EECF244321}">
-                <p14:modId xmlns:p14="http://schemas.microsoft.com/office/powerpoint/2010/main" val="2631957190"/>
+                <p14:modId xmlns:p14="http://schemas.microsoft.com/office/powerpoint/2010/main" val="2472433450"/>
               </p:ext>
             </p:extLst>
           </p:nvPr>
         </p:nvGraphicFramePr>
         <p:xfrm>
-          <a:off x="1130171" y="1481096"/>
+          <a:off x="1136585" y="1481096"/>
           <a:ext cx="9918830" cy="2971252"/>
         </p:xfrm>
         <a:graphic>
@@ -17368,7 +17368,7 @@
                         <a:defRPr/>
                       </a:pPr>
                       <a:r>
-                        <a:rPr lang="en-US" altLang="ko-KR" sz="1200" b="1" i="0" u="none" strike="noStrike" cap="none" dirty="0">
+                        <a:rPr lang="en-US" altLang="ko-KR" sz="1200" b="1" i="0" u="none" strike="noStrike" cap="none">
                           <a:solidFill>
                             <a:schemeClr val="tx1"/>
                           </a:solidFill>
@@ -17378,10 +17378,10 @@
                           <a:cs typeface="+mn-cs"/>
                           <a:sym typeface="Arial"/>
                         </a:rPr>
-                        <a:t>42</a:t>
+                        <a:t>48</a:t>
                       </a:r>
                       <a:r>
-                        <a:rPr lang="en" altLang="ko-Kore-KR" sz="1200" b="1" i="0" u="none" strike="noStrike" cap="none" dirty="0">
+                        <a:rPr lang="en" altLang="ko-Kore-KR" sz="1200" b="1" i="0" u="none" strike="noStrike" cap="none">
                           <a:solidFill>
                             <a:schemeClr val="tx1"/>
                           </a:solidFill>
@@ -17393,6 +17393,16 @@
                         </a:rPr>
                         <a:t>89</a:t>
                       </a:r>
+                      <a:endParaRPr lang="en" altLang="ko-Kore-KR" sz="1200" b="1" i="0" u="none" strike="noStrike" cap="none" dirty="0">
+                        <a:solidFill>
+                          <a:schemeClr val="tx1"/>
+                        </a:solidFill>
+                        <a:effectLst/>
+                        <a:latin typeface="NanumGothic" panose="020D0604000000000000" pitchFamily="34" charset="-127"/>
+                        <a:ea typeface="NanumGothic" panose="020D0604000000000000" pitchFamily="34" charset="-127"/>
+                        <a:cs typeface="+mn-cs"/>
+                        <a:sym typeface="Arial"/>
+                      </a:endParaRPr>
                     </a:p>
                   </a:txBody>
                   <a:tcPr marL="36000" marR="36000" marT="36000" marB="36000" anchor="ctr">
